--- a/study_0216/study_0216.pptx
+++ b/study_0216/study_0216.pptx
@@ -118,6 +118,9 @@
     <p:ext uri="{EFAFB233-063F-42B5-8137-9DF3F51BA10A}">
       <p15:sldGuideLst xmlns:p15="http://schemas.microsoft.com/office/powerpoint/2012/main"/>
     </p:ext>
+    <p:ext uri="{2D200454-40CA-4A62-9FC3-DE9A4176ACB9}">
+      <p15:notesGuideLst xmlns:p15="http://schemas.microsoft.com/office/powerpoint/2012/main"/>
+    </p:ext>
   </p:extLst>
 </p:presentation>
 </file>
@@ -204,7 +207,7 @@
           <a:p>
             <a:fld id="{748EA975-389F-4066-BC80-1C39C1971934}" type="datetimeFigureOut">
               <a:rPr lang="ko-KR" altLang="en-US" smtClean="0"/>
-              <a:t>2020-02-15</a:t>
+              <a:t>2020-02-16</a:t>
             </a:fld>
             <a:endParaRPr lang="ko-KR" altLang="en-US"/>
           </a:p>
@@ -641,7 +644,7 @@
             <a:fld id="{87DE6118-2437-4B30-8E3C-4D2BE6020583}" type="datetimeFigureOut">
               <a:rPr lang="en-US" dirty="0"/>
               <a:pPr/>
-              <a:t>2/15/2020</a:t>
+              <a:t>2/16/2020</a:t>
             </a:fld>
             <a:endParaRPr lang="en-US" dirty="0"/>
           </a:p>
@@ -967,7 +970,7 @@
           <a:p>
             <a:fld id="{87DE6118-2437-4B30-8E3C-4D2BE6020583}" type="datetimeFigureOut">
               <a:rPr lang="en-US" dirty="0"/>
-              <a:t>2/15/2020</a:t>
+              <a:t>2/16/2020</a:t>
             </a:fld>
             <a:endParaRPr lang="en-US" dirty="0"/>
           </a:p>
@@ -1142,7 +1145,7 @@
           <a:p>
             <a:fld id="{87DE6118-2437-4B30-8E3C-4D2BE6020583}" type="datetimeFigureOut">
               <a:rPr lang="en-US" dirty="0"/>
-              <a:t>2/15/2020</a:t>
+              <a:t>2/16/2020</a:t>
             </a:fld>
             <a:endParaRPr lang="en-US" dirty="0"/>
           </a:p>
@@ -1307,7 +1310,7 @@
           <a:p>
             <a:fld id="{87DE6118-2437-4B30-8E3C-4D2BE6020583}" type="datetimeFigureOut">
               <a:rPr lang="en-US" dirty="0"/>
-              <a:t>2/15/2020</a:t>
+              <a:t>2/16/2020</a:t>
             </a:fld>
             <a:endParaRPr lang="en-US" dirty="0"/>
           </a:p>
@@ -1580,7 +1583,7 @@
             <a:fld id="{87DE6118-2437-4B30-8E3C-4D2BE6020583}" type="datetimeFigureOut">
               <a:rPr lang="en-US" dirty="0"/>
               <a:pPr/>
-              <a:t>2/15/2020</a:t>
+              <a:t>2/16/2020</a:t>
             </a:fld>
             <a:endParaRPr lang="en-US" dirty="0"/>
           </a:p>
@@ -1970,7 +1973,7 @@
           <a:p>
             <a:fld id="{87DE6118-2437-4B30-8E3C-4D2BE6020583}" type="datetimeFigureOut">
               <a:rPr lang="en-US" dirty="0"/>
-              <a:t>2/15/2020</a:t>
+              <a:t>2/16/2020</a:t>
             </a:fld>
             <a:endParaRPr lang="en-US" dirty="0"/>
           </a:p>
@@ -2442,7 +2445,7 @@
           <a:p>
             <a:fld id="{87DE6118-2437-4B30-8E3C-4D2BE6020583}" type="datetimeFigureOut">
               <a:rPr lang="en-US" dirty="0"/>
-              <a:t>2/15/2020</a:t>
+              <a:t>2/16/2020</a:t>
             </a:fld>
             <a:endParaRPr lang="en-US" dirty="0"/>
           </a:p>
@@ -2555,7 +2558,7 @@
           <a:p>
             <a:fld id="{87DE6118-2437-4B30-8E3C-4D2BE6020583}" type="datetimeFigureOut">
               <a:rPr lang="en-US" dirty="0"/>
-              <a:t>2/15/2020</a:t>
+              <a:t>2/16/2020</a:t>
             </a:fld>
             <a:endParaRPr lang="en-US" dirty="0"/>
           </a:p>
@@ -2645,7 +2648,7 @@
           <a:p>
             <a:fld id="{87DE6118-2437-4B30-8E3C-4D2BE6020583}" type="datetimeFigureOut">
               <a:rPr lang="en-US" dirty="0"/>
-              <a:t>2/15/2020</a:t>
+              <a:t>2/16/2020</a:t>
             </a:fld>
             <a:endParaRPr lang="en-US" dirty="0"/>
           </a:p>
@@ -2987,7 +2990,7 @@
             <a:fld id="{87DE6118-2437-4B30-8E3C-4D2BE6020583}" type="datetimeFigureOut">
               <a:rPr lang="en-US" dirty="0"/>
               <a:pPr/>
-              <a:t>2/15/2020</a:t>
+              <a:t>2/16/2020</a:t>
             </a:fld>
             <a:endParaRPr lang="en-US" dirty="0"/>
           </a:p>
@@ -3372,7 +3375,7 @@
             <a:fld id="{87DE6118-2437-4B30-8E3C-4D2BE6020583}" type="datetimeFigureOut">
               <a:rPr lang="en-US" dirty="0"/>
               <a:pPr/>
-              <a:t>2/15/2020</a:t>
+              <a:t>2/16/2020</a:t>
             </a:fld>
             <a:endParaRPr lang="en-US" dirty="0"/>
           </a:p>
@@ -3647,7 +3650,7 @@
             <a:fld id="{87DE6118-2437-4B30-8E3C-4D2BE6020583}" type="datetimeFigureOut">
               <a:rPr lang="en-US" dirty="0"/>
               <a:pPr/>
-              <a:t>2/15/2020</a:t>
+              <a:t>2/16/2020</a:t>
             </a:fld>
             <a:endParaRPr lang="en-US" dirty="0"/>
           </a:p>
@@ -4398,7 +4401,7 @@
                 <a:latin typeface="나눔고딕 Light" panose="020D0904000000000000" pitchFamily="50" charset="-127"/>
                 <a:ea typeface="나눔고딕 Light" panose="020D0904000000000000" pitchFamily="50" charset="-127"/>
               </a:rPr>
-              <a:t>(function scope</a:t>
+              <a:t>(function scope)</a:t>
             </a:r>
           </a:p>
           <a:p>
@@ -5294,7 +5297,7 @@
         </p:nvSpPr>
         <p:spPr>
           <a:xfrm>
-            <a:off x="2111802" y="4835804"/>
+            <a:off x="2032000" y="4032887"/>
             <a:ext cx="3672800" cy="1200329"/>
           </a:xfrm>
           <a:prstGeom prst="rect">
@@ -7340,6 +7343,73 @@
           </a:p>
         </p:txBody>
       </p:sp>
+      <p:sp>
+        <p:nvSpPr>
+          <p:cNvPr id="3" name="TextBox 2">
+            <a:extLst>
+              <a:ext uri="{FF2B5EF4-FFF2-40B4-BE49-F238E27FC236}">
+                <a16:creationId xmlns:a16="http://schemas.microsoft.com/office/drawing/2014/main" id="{986CD73C-CB63-4D77-8189-1067C6796DFB}"/>
+              </a:ext>
+            </a:extLst>
+          </p:cNvPr>
+          <p:cNvSpPr txBox="1"/>
+          <p:nvPr/>
+        </p:nvSpPr>
+        <p:spPr>
+          <a:xfrm>
+            <a:off x="2147581" y="4362275"/>
+            <a:ext cx="5696125" cy="1200329"/>
+          </a:xfrm>
+          <a:prstGeom prst="rect">
+            <a:avLst/>
+          </a:prstGeom>
+          <a:noFill/>
+        </p:spPr>
+        <p:txBody>
+          <a:bodyPr wrap="square" rtlCol="0">
+            <a:spAutoFit/>
+          </a:bodyPr>
+          <a:lstStyle/>
+          <a:p>
+            <a:r>
+              <a:rPr lang="en-US" altLang="ko-KR" dirty="0"/>
+              <a:t>(</a:t>
+            </a:r>
+            <a:r>
+              <a:rPr lang="en-US" altLang="ko-KR" dirty="0" err="1"/>
+              <a:t>target.innerHTML</a:t>
+            </a:r>
+            <a:r>
+              <a:rPr lang="en-US" altLang="ko-KR" dirty="0"/>
+              <a:t>  +=</a:t>
+            </a:r>
+            <a:r>
+              <a:rPr lang="ko-KR" altLang="en-US" dirty="0" err="1"/>
+              <a:t>ㅁ누ㅏㅁㄴ문</a:t>
+            </a:r>
+            <a:r>
+              <a:rPr lang="en-US" altLang="ko-KR" dirty="0"/>
+              <a:t>);</a:t>
+            </a:r>
+          </a:p>
+          <a:p>
+            <a:endParaRPr lang="en-US" altLang="ko-KR" dirty="0"/>
+          </a:p>
+          <a:p>
+            <a:r>
+              <a:rPr lang="en-US" altLang="ko-KR" dirty="0" err="1"/>
+              <a:t>setTimeout</a:t>
+            </a:r>
+            <a:r>
+              <a:rPr lang="en-US" altLang="ko-KR" dirty="0"/>
+              <a:t>(type, speed);</a:t>
+            </a:r>
+          </a:p>
+          <a:p>
+            <a:endParaRPr lang="ko-KR" altLang="en-US" dirty="0"/>
+          </a:p>
+        </p:txBody>
+      </p:sp>
     </p:spTree>
     <p:extLst>
       <p:ext uri="{BB962C8B-B14F-4D97-AF65-F5344CB8AC3E}">
